--- a/Folien/3T_2017_React und DDD - FBR.pptx
+++ b/Folien/3T_2017_React und DDD - FBR.pptx
@@ -22978,7 +22978,6 @@
               <a:rPr lang="de-DE" dirty="0"/>
               <a:t> </a:t>
             </a:r>
-            <a:endParaRPr lang="de-DE" dirty="0"/>
           </a:p>
         </p:txBody>
       </p:sp>
@@ -24404,8 +24403,13 @@
             <a:pPr algn="ctr"/>
             <a:r>
               <a:rPr lang="de-DE" dirty="0"/>
-              <a:t>Christin</a:t>
-            </a:r>
+              <a:t>Christin </a:t>
+            </a:r>
+            <a:r>
+              <a:rPr lang="de-DE" dirty="0" err="1"/>
+              <a:t>Mc</a:t>
+            </a:r>
+            <a:endParaRPr lang="de-DE" dirty="0"/>
           </a:p>
         </p:txBody>
       </p:sp>
@@ -24427,8 +24431,13 @@
             <a:pPr algn="ctr"/>
             <a:r>
               <a:rPr lang="de-DE" dirty="0"/>
-              <a:t>Thomas</a:t>
-            </a:r>
+              <a:t>Thomas </a:t>
+            </a:r>
+            <a:r>
+              <a:rPr lang="de-DE" dirty="0" err="1"/>
+              <a:t>Mc</a:t>
+            </a:r>
+            <a:endParaRPr lang="de-DE" dirty="0"/>
           </a:p>
         </p:txBody>
       </p:sp>
@@ -24445,7 +24454,7 @@
         <p:spPr>
           <a:xfrm>
             <a:off x="250825" y="411087"/>
-            <a:ext cx="982477" cy="431614"/>
+            <a:ext cx="868663" cy="431614"/>
           </a:xfrm>
         </p:spPr>
         <p:txBody>
@@ -24454,7 +24463,7 @@
           <a:p>
             <a:r>
               <a:rPr lang="de-DE" dirty="0"/>
-              <a:t>Team 1</a:t>
+              <a:t>Team </a:t>
             </a:r>
           </a:p>
         </p:txBody>
@@ -24477,14 +24486,19 @@
             <a:pPr algn="ctr"/>
             <a:r>
               <a:rPr lang="de-DE" dirty="0"/>
-              <a:t>Ferris</a:t>
-            </a:r>
+              <a:t>Ferris </a:t>
+            </a:r>
+            <a:r>
+              <a:rPr lang="de-DE" dirty="0" err="1"/>
+              <a:t>Mc</a:t>
+            </a:r>
+            <a:endParaRPr lang="de-DE" dirty="0"/>
           </a:p>
         </p:txBody>
       </p:sp>
       <p:pic>
         <p:nvPicPr>
-          <p:cNvPr id="8" name="Picture 2" descr="C:\Users\lrieger\Desktop\Bilder\Kaptur%20Christian.jpg"/>
+          <p:cNvPr id="8" name="Picture 2"/>
           <p:cNvPicPr>
             <a:picLocks noChangeAspect="1" noChangeArrowheads="1"/>
           </p:cNvPicPr>
@@ -24504,8 +24518,8 @@
         </p:blipFill>
         <p:spPr bwMode="auto">
           <a:xfrm>
-            <a:off x="251520" y="1059582"/>
-            <a:ext cx="2736304" cy="2052228"/>
+            <a:off x="593558" y="1059582"/>
+            <a:ext cx="2052228" cy="2052228"/>
           </a:xfrm>
           <a:prstGeom prst="rect">
             <a:avLst/>
@@ -24530,14 +24544,14 @@
       </p:pic>
       <p:pic>
         <p:nvPicPr>
-          <p:cNvPr id="9" name="Picture 3" descr="C:\Users\lrieger\Desktop\Bilder\Guntermann%20Jonathan.jpg"/>
+          <p:cNvPr id="9" name="Picture 3"/>
           <p:cNvPicPr>
             <a:picLocks noChangeAspect="1" noChangeArrowheads="1"/>
           </p:cNvPicPr>
           <p:nvPr/>
         </p:nvPicPr>
         <p:blipFill>
-          <a:blip r:embed="rId3" cstate="print">
+          <a:blip r:embed="rId3">
             <a:extLst>
               <a:ext uri="{28A0092B-C50C-407E-A947-70E740481C1C}">
                 <a14:useLocalDpi xmlns:a14="http://schemas.microsoft.com/office/drawing/2010/main" val="0"/>
@@ -24550,8 +24564,8 @@
         </p:blipFill>
         <p:spPr bwMode="auto">
           <a:xfrm>
-            <a:off x="6156176" y="1059582"/>
-            <a:ext cx="2736001" cy="2052000"/>
+            <a:off x="6156176" y="1173582"/>
+            <a:ext cx="2736001" cy="1824000"/>
           </a:xfrm>
           <a:prstGeom prst="rect">
             <a:avLst/>
@@ -24576,14 +24590,14 @@
       </p:pic>
       <p:pic>
         <p:nvPicPr>
-          <p:cNvPr id="10" name="Picture 4" descr="C:\Users\lrieger\Desktop\Bilder\Rieger%20Laura.jpg"/>
+          <p:cNvPr id="10" name="Picture 4"/>
           <p:cNvPicPr>
             <a:picLocks noChangeAspect="1" noChangeArrowheads="1"/>
           </p:cNvPicPr>
           <p:nvPr/>
         </p:nvPicPr>
         <p:blipFill>
-          <a:blip r:embed="rId4" cstate="print">
+          <a:blip r:embed="rId4">
             <a:extLst>
               <a:ext uri="{28A0092B-C50C-407E-A947-70E740481C1C}">
                 <a14:useLocalDpi xmlns:a14="http://schemas.microsoft.com/office/drawing/2010/main" val="0"/>
@@ -24596,8 +24610,8 @@
         </p:blipFill>
         <p:spPr bwMode="auto">
           <a:xfrm>
-            <a:off x="3207288" y="1059582"/>
-            <a:ext cx="2729424" cy="2052000"/>
+            <a:off x="3207288" y="1073054"/>
+            <a:ext cx="2729424" cy="2025056"/>
           </a:xfrm>
           <a:prstGeom prst="rect">
             <a:avLst/>
@@ -24704,68 +24718,59 @@
           <a:p>
             <a:r>
               <a:rPr lang="de-DE" dirty="0"/>
-              <a:t>Zielstellung, Teambildung, Schnittstellendefinition</a:t>
-            </a:r>
-          </a:p>
-          <a:p>
-            <a:endParaRPr lang="de-DE" dirty="0">
-              <a:solidFill>
-                <a:schemeClr val="accent1">
-                  <a:lumMod val="75000"/>
-                </a:schemeClr>
-              </a:solidFill>
-            </a:endParaRPr>
-          </a:p>
-          <a:p>
-            <a:r>
-              <a:rPr lang="de-DE" dirty="0">
-                <a:solidFill>
-                  <a:schemeClr val="accent1">
-                    <a:lumMod val="75000"/>
-                  </a:schemeClr>
-                </a:solidFill>
-              </a:rPr>
-              <a:t>Team 1</a:t>
+              <a:t>Domain </a:t>
+            </a:r>
+            <a:r>
+              <a:rPr lang="de-DE" dirty="0" err="1"/>
+              <a:t>Driven</a:t>
+            </a:r>
+            <a:r>
+              <a:rPr lang="de-DE" dirty="0"/>
+              <a:t> Design ausprobieren und umsetzen</a:t>
             </a:r>
           </a:p>
           <a:p>
             <a:pPr lvl="2"/>
             <a:r>
-              <a:rPr lang="de-DE" dirty="0">
-                <a:solidFill>
-                  <a:schemeClr val="accent1">
-                    <a:lumMod val="75000"/>
-                  </a:schemeClr>
-                </a:solidFill>
-              </a:rPr>
-              <a:t>Erweiterung von vorhandenem Spiel-Prototypen </a:t>
-            </a:r>
+              <a:rPr lang="de-DE" dirty="0"/>
+              <a:t>Strategisches </a:t>
+            </a:r>
+            <a:r>
+              <a:rPr lang="de-DE" dirty="0" err="1"/>
+              <a:t>Desing</a:t>
+            </a:r>
+            <a:endParaRPr lang="de-DE" dirty="0"/>
           </a:p>
           <a:p>
             <a:pPr lvl="2"/>
             <a:r>
-              <a:rPr lang="de-DE" dirty="0">
-                <a:solidFill>
-                  <a:schemeClr val="accent1">
-                    <a:lumMod val="75000"/>
-                  </a:schemeClr>
-                </a:solidFill>
-              </a:rPr>
-              <a:t>Implementierung der Schnittstelle</a:t>
+              <a:rPr lang="de-DE" dirty="0"/>
+              <a:t>Taktisches Design</a:t>
             </a:r>
           </a:p>
           <a:p>
             <a:pPr lvl="2"/>
             <a:r>
-              <a:rPr lang="de-DE" dirty="0">
-                <a:solidFill>
-                  <a:schemeClr val="accent1">
-                    <a:lumMod val="75000"/>
-                  </a:schemeClr>
-                </a:solidFill>
-              </a:rPr>
-              <a:t>Beta-Test</a:t>
-            </a:r>
+              <a:rPr lang="de-DE" dirty="0"/>
+              <a:t>Frontend und Backend bauen mit </a:t>
+            </a:r>
+            <a:r>
+              <a:rPr lang="de-DE" dirty="0" err="1"/>
+              <a:t>React</a:t>
+            </a:r>
+            <a:r>
+              <a:rPr lang="de-DE" dirty="0"/>
+              <a:t> und </a:t>
+            </a:r>
+            <a:r>
+              <a:rPr lang="de-DE" dirty="0" err="1"/>
+              <a:t>NoSQL</a:t>
+            </a:r>
+            <a:endParaRPr lang="de-DE" dirty="0"/>
+          </a:p>
+          <a:p>
+            <a:pPr lvl="2"/>
+            <a:endParaRPr lang="de-DE" dirty="0"/>
           </a:p>
           <a:p>
             <a:endParaRPr lang="de-DE" dirty="0">
@@ -24775,57 +24780,6 @@
                 </a:schemeClr>
               </a:solidFill>
             </a:endParaRPr>
-          </a:p>
-          <a:p>
-            <a:r>
-              <a:rPr lang="de-DE" dirty="0">
-                <a:solidFill>
-                  <a:schemeClr val="accent4">
-                    <a:lumMod val="75000"/>
-                  </a:schemeClr>
-                </a:solidFill>
-              </a:rPr>
-              <a:t>Team 2</a:t>
-            </a:r>
-          </a:p>
-          <a:p>
-            <a:pPr lvl="2"/>
-            <a:r>
-              <a:rPr lang="de-DE" dirty="0">
-                <a:solidFill>
-                  <a:schemeClr val="accent4">
-                    <a:lumMod val="75000"/>
-                  </a:schemeClr>
-                </a:solidFill>
-              </a:rPr>
-              <a:t>Auswahl der API</a:t>
-            </a:r>
-          </a:p>
-          <a:p>
-            <a:pPr lvl="2"/>
-            <a:r>
-              <a:rPr lang="de-DE" dirty="0">
-                <a:solidFill>
-                  <a:schemeClr val="accent4">
-                    <a:lumMod val="75000"/>
-                  </a:schemeClr>
-                </a:solidFill>
-              </a:rPr>
-              <a:t>Anbindung der Wii Boards</a:t>
-            </a:r>
-          </a:p>
-          <a:p>
-            <a:pPr lvl="2"/>
-            <a:r>
-              <a:rPr lang="de-DE" dirty="0">
-                <a:solidFill>
-                  <a:schemeClr val="accent4">
-                    <a:lumMod val="75000"/>
-                  </a:schemeClr>
-                </a:solidFill>
-              </a:rPr>
-              <a:t>Bereitstellung der Daten an Schnittstelle</a:t>
-            </a:r>
           </a:p>
         </p:txBody>
       </p:sp>
@@ -24953,7 +24907,6 @@
               <a:rPr lang="en-US" i="1" dirty="0"/>
               <a:t>Virtual DOM</a:t>
             </a:r>
-            <a:endParaRPr lang="en-US" i="1" dirty="0"/>
           </a:p>
           <a:p>
             <a:pPr lvl="3">
@@ -27238,21 +27191,6 @@
 </file>
 
 <file path=customXml/item1.xml><?xml version="1.0" encoding="utf-8"?>
-<?mso-contentType ?>
-<FormTemplates xmlns="http://schemas.microsoft.com/sharepoint/v3/contenttype/forms">
-  <Display>DocumentLibraryForm</Display>
-  <Edit>DocumentLibraryForm</Edit>
-  <New>DocumentLibraryForm</New>
-</FormTemplates>
-</file>
-
-<file path=customXml/item2.xml><?xml version="1.0" encoding="utf-8"?>
-<p:properties xmlns:p="http://schemas.microsoft.com/office/2006/metadata/properties" xmlns:xsi="http://www.w3.org/2001/XMLSchema-instance">
-  <documentManagement/>
-</p:properties>
-</file>
-
-<file path=customXml/item3.xml><?xml version="1.0" encoding="utf-8"?>
 <ct:contentTypeSchema xmlns:ct="http://schemas.microsoft.com/office/2006/metadata/contentType" xmlns:ma="http://schemas.microsoft.com/office/2006/metadata/properties/metaAttributes" ct:_="" ma:_="" ma:contentTypeName="Dokument" ma:contentTypeID="0x010100CE11DE9E58843A42B1F637E057635A16" ma:contentTypeVersion="0" ma:contentTypeDescription="Ein neues Dokument erstellen." ma:contentTypeScope="" ma:versionID="dfee1da9dca0f09f6848b5b8c67760e0">
   <xsd:schema xmlns:xsd="http://www.w3.org/2001/XMLSchema" xmlns:p="http://schemas.microsoft.com/office/2006/metadata/properties" targetNamespace="http://schemas.microsoft.com/office/2006/metadata/properties" ma:root="true" ma:fieldsID="246f02dd96380beb4f7cdcce14d77fd6">
     <xsd:element name="properties">
@@ -27301,10 +27239,32 @@
 </ct:contentTypeSchema>
 </file>
 
+<file path=customXml/item2.xml><?xml version="1.0" encoding="utf-8"?>
+<p:properties xmlns:p="http://schemas.microsoft.com/office/2006/metadata/properties" xmlns:xsi="http://www.w3.org/2001/XMLSchema-instance">
+  <documentManagement/>
+</p:properties>
+</file>
+
+<file path=customXml/item3.xml><?xml version="1.0" encoding="utf-8"?>
+<?mso-contentType ?>
+<FormTemplates xmlns="http://schemas.microsoft.com/sharepoint/v3/contenttype/forms">
+  <Display>DocumentLibraryForm</Display>
+  <Edit>DocumentLibraryForm</Edit>
+  <New>DocumentLibraryForm</New>
+</FormTemplates>
+</file>
+
 <file path=customXml/itemProps1.xml><?xml version="1.0" encoding="utf-8"?>
-<ds:datastoreItem xmlns:ds="http://schemas.openxmlformats.org/officeDocument/2006/customXml" ds:itemID="{77B713E6-920B-4230-AC0E-59ED99C0923E}">
+<ds:datastoreItem xmlns:ds="http://schemas.openxmlformats.org/officeDocument/2006/customXml" ds:itemID="{F7CDCAB2-FFA3-4AA5-8951-F674AD256E4C}">
   <ds:schemaRefs>
-    <ds:schemaRef ds:uri="http://schemas.microsoft.com/sharepoint/v3/contenttype/forms"/>
+    <ds:schemaRef ds:uri="http://schemas.microsoft.com/office/2006/metadata/contentType"/>
+    <ds:schemaRef ds:uri="http://schemas.microsoft.com/office/2006/metadata/properties/metaAttributes"/>
+    <ds:schemaRef ds:uri="http://www.w3.org/2001/XMLSchema"/>
+    <ds:schemaRef ds:uri="http://schemas.microsoft.com/office/2006/metadata/properties"/>
+    <ds:schemaRef ds:uri="http://schemas.openxmlformats.org/package/2006/metadata/core-properties"/>
+    <ds:schemaRef ds:uri="http://purl.org/dc/elements/1.1/"/>
+    <ds:schemaRef ds:uri="http://purl.org/dc/terms/"/>
+    <ds:schemaRef ds:uri="http://schemas.microsoft.com/office/internal/2005/internalDocumentation"/>
   </ds:schemaRefs>
 </ds:datastoreItem>
 </file>
@@ -27324,16 +27284,9 @@
 </file>
 
 <file path=customXml/itemProps3.xml><?xml version="1.0" encoding="utf-8"?>
-<ds:datastoreItem xmlns:ds="http://schemas.openxmlformats.org/officeDocument/2006/customXml" ds:itemID="{F7CDCAB2-FFA3-4AA5-8951-F674AD256E4C}">
+<ds:datastoreItem xmlns:ds="http://schemas.openxmlformats.org/officeDocument/2006/customXml" ds:itemID="{77B713E6-920B-4230-AC0E-59ED99C0923E}">
   <ds:schemaRefs>
-    <ds:schemaRef ds:uri="http://schemas.microsoft.com/office/2006/metadata/contentType"/>
-    <ds:schemaRef ds:uri="http://schemas.microsoft.com/office/2006/metadata/properties/metaAttributes"/>
-    <ds:schemaRef ds:uri="http://www.w3.org/2001/XMLSchema"/>
-    <ds:schemaRef ds:uri="http://schemas.microsoft.com/office/2006/metadata/properties"/>
-    <ds:schemaRef ds:uri="http://schemas.openxmlformats.org/package/2006/metadata/core-properties"/>
-    <ds:schemaRef ds:uri="http://purl.org/dc/elements/1.1/"/>
-    <ds:schemaRef ds:uri="http://purl.org/dc/terms/"/>
-    <ds:schemaRef ds:uri="http://schemas.microsoft.com/office/internal/2005/internalDocumentation"/>
+    <ds:schemaRef ds:uri="http://schemas.microsoft.com/sharepoint/v3/contenttype/forms"/>
   </ds:schemaRefs>
 </ds:datastoreItem>
 </file>